--- a/DSR-uu代码分析.pptx
+++ b/DSR-uu代码分析.pptx
@@ -29,8 +29,13 @@
     <p:sldId id="312" r:id="rId22"/>
     <p:sldId id="313" r:id="rId23"/>
     <p:sldId id="314" r:id="rId24"/>
-    <p:sldId id="315" r:id="rId25"/>
-    <p:sldId id="278" r:id="rId26"/>
+    <p:sldId id="320" r:id="rId25"/>
+    <p:sldId id="315" r:id="rId26"/>
+    <p:sldId id="321" r:id="rId27"/>
+    <p:sldId id="322" r:id="rId28"/>
+    <p:sldId id="323" r:id="rId29"/>
+    <p:sldId id="324" r:id="rId30"/>
+    <p:sldId id="278" r:id="rId31"/>
   </p:sldIdLst>
   <p:sldSz cx="12192000" cy="6858000"/>
   <p:notesSz cx="6858000" cy="9144000"/>
@@ -6929,6 +6934,42 @@
           </a:p>
         </p:txBody>
       </p:sp>
+      <p:sp>
+        <p:nvSpPr>
+          <p:cNvPr id="16" name="矩形 2"/>
+          <p:cNvSpPr/>
+          <p:nvPr/>
+        </p:nvSpPr>
+        <p:spPr>
+          <a:xfrm>
+            <a:off x="11623040" y="834390"/>
+            <a:ext cx="76200" cy="3757295"/>
+          </a:xfrm>
+          <a:prstGeom prst="rect">
+            <a:avLst/>
+          </a:prstGeom>
+          <a:solidFill>
+            <a:srgbClr val="314865"/>
+          </a:solidFill>
+          <a:ln w="12700">
+            <a:noFill/>
+          </a:ln>
+        </p:spPr>
+        <p:txBody>
+          <a:bodyPr anchor="ctr"/>
+          <a:p>
+            <a:pPr algn="ctr"/>
+            <a:endParaRPr>
+              <a:solidFill>
+                <a:srgbClr val="FFFFFF"/>
+              </a:solidFill>
+              <a:latin typeface="宋体" panose="02010600030101010101" pitchFamily="2" charset="-122"/>
+              <a:ea typeface="宋体" panose="02010600030101010101" pitchFamily="2" charset="-122"/>
+              <a:sym typeface="宋体" panose="02010600030101010101" pitchFamily="2" charset="-122"/>
+            </a:endParaRPr>
+          </a:p>
+        </p:txBody>
+      </p:sp>
     </p:spTree>
   </p:cSld>
   <p:clrMapOvr>
@@ -7282,6 +7323,42 @@
           </a:p>
         </p:txBody>
       </p:sp>
+      <p:sp>
+        <p:nvSpPr>
+          <p:cNvPr id="16" name="矩形 2"/>
+          <p:cNvSpPr/>
+          <p:nvPr/>
+        </p:nvSpPr>
+        <p:spPr>
+          <a:xfrm>
+            <a:off x="11807825" y="985520"/>
+            <a:ext cx="76200" cy="4729480"/>
+          </a:xfrm>
+          <a:prstGeom prst="rect">
+            <a:avLst/>
+          </a:prstGeom>
+          <a:solidFill>
+            <a:srgbClr val="314865"/>
+          </a:solidFill>
+          <a:ln w="12700">
+            <a:noFill/>
+          </a:ln>
+        </p:spPr>
+        <p:txBody>
+          <a:bodyPr anchor="ctr"/>
+          <a:p>
+            <a:pPr algn="ctr"/>
+            <a:endParaRPr>
+              <a:solidFill>
+                <a:srgbClr val="FFFFFF"/>
+              </a:solidFill>
+              <a:latin typeface="宋体" panose="02010600030101010101" pitchFamily="2" charset="-122"/>
+              <a:ea typeface="宋体" panose="02010600030101010101" pitchFamily="2" charset="-122"/>
+              <a:sym typeface="宋体" panose="02010600030101010101" pitchFamily="2" charset="-122"/>
+            </a:endParaRPr>
+          </a:p>
+        </p:txBody>
+      </p:sp>
     </p:spTree>
   </p:cSld>
   <p:clrMapOvr>
@@ -7709,6 +7786,42 @@
           </a:prstGeom>
         </p:spPr>
       </p:pic>
+      <p:sp>
+        <p:nvSpPr>
+          <p:cNvPr id="16" name="矩形 2"/>
+          <p:cNvSpPr/>
+          <p:nvPr/>
+        </p:nvSpPr>
+        <p:spPr>
+          <a:xfrm>
+            <a:off x="11802745" y="1297305"/>
+            <a:ext cx="76200" cy="4417060"/>
+          </a:xfrm>
+          <a:prstGeom prst="rect">
+            <a:avLst/>
+          </a:prstGeom>
+          <a:solidFill>
+            <a:srgbClr val="314865"/>
+          </a:solidFill>
+          <a:ln w="12700">
+            <a:noFill/>
+          </a:ln>
+        </p:spPr>
+        <p:txBody>
+          <a:bodyPr anchor="ctr"/>
+          <a:p>
+            <a:pPr algn="ctr"/>
+            <a:endParaRPr>
+              <a:solidFill>
+                <a:srgbClr val="FFFFFF"/>
+              </a:solidFill>
+              <a:latin typeface="宋体" panose="02010600030101010101" pitchFamily="2" charset="-122"/>
+              <a:ea typeface="宋体" panose="02010600030101010101" pitchFamily="2" charset="-122"/>
+              <a:sym typeface="宋体" panose="02010600030101010101" pitchFamily="2" charset="-122"/>
+            </a:endParaRPr>
+          </a:p>
+        </p:txBody>
+      </p:sp>
     </p:spTree>
   </p:cSld>
   <p:clrMapOvr>
@@ -8099,6 +8212,42 @@
           </a:prstGeom>
         </p:spPr>
       </p:pic>
+      <p:sp>
+        <p:nvSpPr>
+          <p:cNvPr id="16" name="矩形 2"/>
+          <p:cNvSpPr/>
+          <p:nvPr/>
+        </p:nvSpPr>
+        <p:spPr>
+          <a:xfrm>
+            <a:off x="11802745" y="1202690"/>
+            <a:ext cx="76835" cy="4168140"/>
+          </a:xfrm>
+          <a:prstGeom prst="rect">
+            <a:avLst/>
+          </a:prstGeom>
+          <a:solidFill>
+            <a:srgbClr val="314865"/>
+          </a:solidFill>
+          <a:ln w="12700">
+            <a:noFill/>
+          </a:ln>
+        </p:spPr>
+        <p:txBody>
+          <a:bodyPr anchor="ctr"/>
+          <a:p>
+            <a:pPr algn="ctr"/>
+            <a:endParaRPr>
+              <a:solidFill>
+                <a:srgbClr val="FFFFFF"/>
+              </a:solidFill>
+              <a:latin typeface="宋体" panose="02010600030101010101" pitchFamily="2" charset="-122"/>
+              <a:ea typeface="宋体" panose="02010600030101010101" pitchFamily="2" charset="-122"/>
+              <a:sym typeface="宋体" panose="02010600030101010101" pitchFamily="2" charset="-122"/>
+            </a:endParaRPr>
+          </a:p>
+        </p:txBody>
+      </p:sp>
     </p:spTree>
   </p:cSld>
   <p:clrMapOvr>
@@ -9187,6 +9336,42 @@
           </a:prstGeom>
         </p:spPr>
       </p:pic>
+      <p:sp>
+        <p:nvSpPr>
+          <p:cNvPr id="16" name="矩形 2"/>
+          <p:cNvSpPr/>
+          <p:nvPr/>
+        </p:nvSpPr>
+        <p:spPr>
+          <a:xfrm flipH="1">
+            <a:off x="11660505" y="1329055"/>
+            <a:ext cx="76200" cy="3147060"/>
+          </a:xfrm>
+          <a:prstGeom prst="rect">
+            <a:avLst/>
+          </a:prstGeom>
+          <a:solidFill>
+            <a:srgbClr val="314865"/>
+          </a:solidFill>
+          <a:ln w="12700">
+            <a:noFill/>
+          </a:ln>
+        </p:spPr>
+        <p:txBody>
+          <a:bodyPr anchor="ctr"/>
+          <a:p>
+            <a:pPr algn="ctr"/>
+            <a:endParaRPr>
+              <a:solidFill>
+                <a:srgbClr val="FFFFFF"/>
+              </a:solidFill>
+              <a:latin typeface="宋体" panose="02010600030101010101" pitchFamily="2" charset="-122"/>
+              <a:ea typeface="宋体" panose="02010600030101010101" pitchFamily="2" charset="-122"/>
+              <a:sym typeface="宋体" panose="02010600030101010101" pitchFamily="2" charset="-122"/>
+            </a:endParaRPr>
+          </a:p>
+        </p:txBody>
+      </p:sp>
     </p:spTree>
   </p:cSld>
   <p:clrMapOvr>
@@ -9398,6 +9583,42 @@
           </a:prstGeom>
         </p:spPr>
       </p:pic>
+      <p:sp>
+        <p:nvSpPr>
+          <p:cNvPr id="16" name="矩形 2"/>
+          <p:cNvSpPr/>
+          <p:nvPr/>
+        </p:nvSpPr>
+        <p:spPr>
+          <a:xfrm>
+            <a:off x="11576050" y="1329055"/>
+            <a:ext cx="76200" cy="4126865"/>
+          </a:xfrm>
+          <a:prstGeom prst="rect">
+            <a:avLst/>
+          </a:prstGeom>
+          <a:solidFill>
+            <a:srgbClr val="314865"/>
+          </a:solidFill>
+          <a:ln w="12700">
+            <a:noFill/>
+          </a:ln>
+        </p:spPr>
+        <p:txBody>
+          <a:bodyPr anchor="ctr"/>
+          <a:p>
+            <a:pPr algn="ctr"/>
+            <a:endParaRPr>
+              <a:solidFill>
+                <a:srgbClr val="FFFFFF"/>
+              </a:solidFill>
+              <a:latin typeface="宋体" panose="02010600030101010101" pitchFamily="2" charset="-122"/>
+              <a:ea typeface="宋体" panose="02010600030101010101" pitchFamily="2" charset="-122"/>
+              <a:sym typeface="宋体" panose="02010600030101010101" pitchFamily="2" charset="-122"/>
+            </a:endParaRPr>
+          </a:p>
+        </p:txBody>
+      </p:sp>
     </p:spTree>
   </p:cSld>
   <p:clrMapOvr>
@@ -9653,6 +9874,42 @@
           </a:p>
         </p:txBody>
       </p:sp>
+      <p:sp>
+        <p:nvSpPr>
+          <p:cNvPr id="16" name="矩形 2"/>
+          <p:cNvSpPr/>
+          <p:nvPr/>
+        </p:nvSpPr>
+        <p:spPr>
+          <a:xfrm>
+            <a:off x="11524615" y="1329055"/>
+            <a:ext cx="76200" cy="4372610"/>
+          </a:xfrm>
+          <a:prstGeom prst="rect">
+            <a:avLst/>
+          </a:prstGeom>
+          <a:solidFill>
+            <a:srgbClr val="314865"/>
+          </a:solidFill>
+          <a:ln w="12700">
+            <a:noFill/>
+          </a:ln>
+        </p:spPr>
+        <p:txBody>
+          <a:bodyPr anchor="ctr"/>
+          <a:p>
+            <a:pPr algn="ctr"/>
+            <a:endParaRPr>
+              <a:solidFill>
+                <a:srgbClr val="FFFFFF"/>
+              </a:solidFill>
+              <a:latin typeface="宋体" panose="02010600030101010101" pitchFamily="2" charset="-122"/>
+              <a:ea typeface="宋体" panose="02010600030101010101" pitchFamily="2" charset="-122"/>
+              <a:sym typeface="宋体" panose="02010600030101010101" pitchFamily="2" charset="-122"/>
+            </a:endParaRPr>
+          </a:p>
+        </p:txBody>
+      </p:sp>
     </p:spTree>
   </p:cSld>
   <p:clrMapOvr>
@@ -9795,7 +10052,7 @@
         </p:nvSpPr>
         <p:spPr>
           <a:xfrm>
-            <a:off x="3005455" y="5255895"/>
+            <a:off x="3005455" y="5513705"/>
             <a:ext cx="8698230" cy="1198880"/>
           </a:xfrm>
           <a:prstGeom prst="rect">
@@ -9963,8 +10220,8 @@
         </p:nvSpPr>
         <p:spPr>
           <a:xfrm>
-            <a:off x="1024890" y="2584450"/>
-            <a:ext cx="5974080" cy="2061210"/>
+            <a:off x="755015" y="2423160"/>
+            <a:ext cx="11325860" cy="2430145"/>
           </a:xfrm>
           <a:prstGeom prst="rect">
             <a:avLst/>
@@ -9972,7 +10229,7 @@
           <a:noFill/>
         </p:spPr>
         <p:txBody>
-          <a:bodyPr wrap="none" rtlCol="0">
+          <a:bodyPr wrap="square" rtlCol="0">
             <a:spAutoFit/>
           </a:bodyPr>
           <a:p>
@@ -9999,17 +10256,6 @@
           </a:p>
           <a:p>
             <a:pPr algn="l"/>
-            <a:r>
-              <a:rPr lang="zh-CN" altLang="en-US" sz="2400" dirty="0">
-                <a:solidFill>
-                  <a:srgbClr val="7F7F7F"/>
-                </a:solidFill>
-                <a:latin typeface="微软雅黑" panose="020B0503020204020204" pitchFamily="2" charset="-122"/>
-                <a:ea typeface="微软雅黑" panose="020B0503020204020204" pitchFamily="2" charset="-122"/>
-                <a:sym typeface="微软雅黑" panose="020B0503020204020204" pitchFamily="2" charset="-122"/>
-              </a:rPr>
-              <a:t>从路由协议的组成到通信过程再到源码分析</a:t>
-            </a:r>
             <a:endParaRPr lang="zh-CN" altLang="en-US" sz="2400" dirty="0">
               <a:solidFill>
                 <a:srgbClr val="7F7F7F"/>
@@ -10030,7 +10276,7 @@
                 <a:ea typeface="微软雅黑" panose="020B0503020204020204" pitchFamily="2" charset="-122"/>
                 <a:sym typeface="微软雅黑" panose="020B0503020204020204" pitchFamily="2" charset="-122"/>
               </a:rPr>
-              <a:t>期间绘制了协议内部函数关系调用图</a:t>
+              <a:t>从路由协议的组成到通信过程再到源码分析</a:t>
             </a:r>
             <a:endParaRPr lang="zh-CN" altLang="en-US" sz="2400" dirty="0">
               <a:solidFill>
@@ -10052,51 +10298,7 @@
                 <a:ea typeface="微软雅黑" panose="020B0503020204020204" pitchFamily="2" charset="-122"/>
                 <a:sym typeface="微软雅黑" panose="020B0503020204020204" pitchFamily="2" charset="-122"/>
               </a:rPr>
-              <a:t>分析了</a:t>
-            </a:r>
-            <a:r>
-              <a:rPr lang="en-US" altLang="zh-CN" sz="2400" dirty="0">
-                <a:solidFill>
-                  <a:srgbClr val="7F7F7F"/>
-                </a:solidFill>
-                <a:latin typeface="微软雅黑" panose="020B0503020204020204" pitchFamily="2" charset="-122"/>
-                <a:ea typeface="微软雅黑" panose="020B0503020204020204" pitchFamily="2" charset="-122"/>
-                <a:sym typeface="微软雅黑" panose="020B0503020204020204" pitchFamily="2" charset="-122"/>
-              </a:rPr>
-              <a:t>dsr-uu</a:t>
-            </a:r>
-            <a:r>
-              <a:rPr lang="zh-CN" altLang="en-US" sz="2400" dirty="0">
-                <a:solidFill>
-                  <a:srgbClr val="7F7F7F"/>
-                </a:solidFill>
-                <a:latin typeface="微软雅黑" panose="020B0503020204020204" pitchFamily="2" charset="-122"/>
-                <a:ea typeface="微软雅黑" panose="020B0503020204020204" pitchFamily="2" charset="-122"/>
-                <a:sym typeface="微软雅黑" panose="020B0503020204020204" pitchFamily="2" charset="-122"/>
-              </a:rPr>
-              <a:t>协议主要的</a:t>
-            </a:r>
-            <a:r>
-              <a:rPr lang="en-US" altLang="zh-CN" sz="2400" dirty="0">
-                <a:solidFill>
-                  <a:srgbClr val="7F7F7F"/>
-                </a:solidFill>
-                <a:latin typeface="微软雅黑" panose="020B0503020204020204" pitchFamily="2" charset="-122"/>
-                <a:ea typeface="微软雅黑" panose="020B0503020204020204" pitchFamily="2" charset="-122"/>
-                <a:sym typeface="微软雅黑" panose="020B0503020204020204" pitchFamily="2" charset="-122"/>
-              </a:rPr>
-              <a:t>.h/.c</a:t>
-            </a:r>
-            <a:r>
-              <a:rPr lang="zh-CN" altLang="en-US" sz="2400" dirty="0">
-                <a:solidFill>
-                  <a:srgbClr val="7F7F7F"/>
-                </a:solidFill>
-                <a:latin typeface="微软雅黑" panose="020B0503020204020204" pitchFamily="2" charset="-122"/>
-                <a:ea typeface="微软雅黑" panose="020B0503020204020204" pitchFamily="2" charset="-122"/>
-                <a:sym typeface="微软雅黑" panose="020B0503020204020204" pitchFamily="2" charset="-122"/>
-              </a:rPr>
-              <a:t>文件</a:t>
+              <a:t>期间绘制了协议内部函数关系调用图</a:t>
             </a:r>
             <a:endParaRPr lang="zh-CN" altLang="en-US" sz="2400" dirty="0">
               <a:solidFill>
@@ -10118,6 +10320,72 @@
                 <a:ea typeface="微软雅黑" panose="020B0503020204020204" pitchFamily="2" charset="-122"/>
                 <a:sym typeface="微软雅黑" panose="020B0503020204020204" pitchFamily="2" charset="-122"/>
               </a:rPr>
+              <a:t>分析了</a:t>
+            </a:r>
+            <a:r>
+              <a:rPr lang="en-US" altLang="zh-CN" sz="2400" dirty="0">
+                <a:solidFill>
+                  <a:srgbClr val="7F7F7F"/>
+                </a:solidFill>
+                <a:latin typeface="微软雅黑" panose="020B0503020204020204" pitchFamily="2" charset="-122"/>
+                <a:ea typeface="微软雅黑" panose="020B0503020204020204" pitchFamily="2" charset="-122"/>
+                <a:sym typeface="微软雅黑" panose="020B0503020204020204" pitchFamily="2" charset="-122"/>
+              </a:rPr>
+              <a:t>dsr-uu</a:t>
+            </a:r>
+            <a:r>
+              <a:rPr lang="zh-CN" altLang="en-US" sz="2400" dirty="0">
+                <a:solidFill>
+                  <a:srgbClr val="7F7F7F"/>
+                </a:solidFill>
+                <a:latin typeface="微软雅黑" panose="020B0503020204020204" pitchFamily="2" charset="-122"/>
+                <a:ea typeface="微软雅黑" panose="020B0503020204020204" pitchFamily="2" charset="-122"/>
+                <a:sym typeface="微软雅黑" panose="020B0503020204020204" pitchFamily="2" charset="-122"/>
+              </a:rPr>
+              <a:t>协议主要的</a:t>
+            </a:r>
+            <a:r>
+              <a:rPr lang="en-US" altLang="zh-CN" sz="2400" dirty="0">
+                <a:solidFill>
+                  <a:srgbClr val="7F7F7F"/>
+                </a:solidFill>
+                <a:latin typeface="微软雅黑" panose="020B0503020204020204" pitchFamily="2" charset="-122"/>
+                <a:ea typeface="微软雅黑" panose="020B0503020204020204" pitchFamily="2" charset="-122"/>
+                <a:sym typeface="微软雅黑" panose="020B0503020204020204" pitchFamily="2" charset="-122"/>
+              </a:rPr>
+              <a:t>.h/.c</a:t>
+            </a:r>
+            <a:r>
+              <a:rPr lang="zh-CN" altLang="en-US" sz="2400" dirty="0">
+                <a:solidFill>
+                  <a:srgbClr val="7F7F7F"/>
+                </a:solidFill>
+                <a:latin typeface="微软雅黑" panose="020B0503020204020204" pitchFamily="2" charset="-122"/>
+                <a:ea typeface="微软雅黑" panose="020B0503020204020204" pitchFamily="2" charset="-122"/>
+                <a:sym typeface="微软雅黑" panose="020B0503020204020204" pitchFamily="2" charset="-122"/>
+              </a:rPr>
+              <a:t>文件</a:t>
+            </a:r>
+            <a:endParaRPr lang="zh-CN" altLang="en-US" sz="2400" dirty="0">
+              <a:solidFill>
+                <a:srgbClr val="7F7F7F"/>
+              </a:solidFill>
+              <a:latin typeface="微软雅黑" panose="020B0503020204020204" pitchFamily="2" charset="-122"/>
+              <a:ea typeface="微软雅黑" panose="020B0503020204020204" pitchFamily="2" charset="-122"/>
+              <a:sym typeface="微软雅黑" panose="020B0503020204020204" pitchFamily="2" charset="-122"/>
+            </a:endParaRPr>
+          </a:p>
+          <a:p>
+            <a:pPr algn="l"/>
+            <a:r>
+              <a:rPr lang="zh-CN" altLang="en-US" sz="2400" dirty="0">
+                <a:solidFill>
+                  <a:srgbClr val="7F7F7F"/>
+                </a:solidFill>
+                <a:latin typeface="微软雅黑" panose="020B0503020204020204" pitchFamily="2" charset="-122"/>
+                <a:ea typeface="微软雅黑" panose="020B0503020204020204" pitchFamily="2" charset="-122"/>
+                <a:sym typeface="微软雅黑" panose="020B0503020204020204" pitchFamily="2" charset="-122"/>
+              </a:rPr>
               <a:t>参考</a:t>
             </a:r>
             <a:r>
@@ -10129,7 +10397,7 @@
                 <a:ea typeface="微软雅黑" panose="020B0503020204020204" pitchFamily="2" charset="-122"/>
                 <a:sym typeface="微软雅黑" panose="020B0503020204020204" pitchFamily="2" charset="-122"/>
               </a:rPr>
-              <a:t>RFC2026</a:t>
+              <a:t>Internet-Draft and is subject to all provisions of Section 10 of RFC 2026.</a:t>
             </a:r>
             <a:endParaRPr lang="en-US" altLang="zh-CN" sz="2400" dirty="0">
               <a:solidFill>
@@ -10226,7 +10494,7 @@
         </p:nvSpPr>
         <p:spPr>
           <a:xfrm>
-            <a:off x="6029960" y="1689735"/>
+            <a:off x="6072505" y="1706880"/>
             <a:ext cx="5044440" cy="2999740"/>
           </a:xfrm>
           <a:prstGeom prst="rect">
@@ -10438,6 +10706,42 @@
               <a:latin typeface="微软雅黑" panose="020B0503020204020204" pitchFamily="2" charset="-122"/>
               <a:ea typeface="微软雅黑" panose="020B0503020204020204" pitchFamily="2" charset="-122"/>
               <a:sym typeface="微软雅黑" panose="020B0503020204020204" pitchFamily="2" charset="-122"/>
+            </a:endParaRPr>
+          </a:p>
+        </p:txBody>
+      </p:sp>
+      <p:sp>
+        <p:nvSpPr>
+          <p:cNvPr id="16" name="矩形 2"/>
+          <p:cNvSpPr/>
+          <p:nvPr/>
+        </p:nvSpPr>
+        <p:spPr>
+          <a:xfrm>
+            <a:off x="11257280" y="1588770"/>
+            <a:ext cx="76200" cy="3357880"/>
+          </a:xfrm>
+          <a:prstGeom prst="rect">
+            <a:avLst/>
+          </a:prstGeom>
+          <a:solidFill>
+            <a:srgbClr val="314865"/>
+          </a:solidFill>
+          <a:ln w="12700">
+            <a:noFill/>
+          </a:ln>
+        </p:spPr>
+        <p:txBody>
+          <a:bodyPr anchor="ctr"/>
+          <a:p>
+            <a:pPr algn="ctr"/>
+            <a:endParaRPr>
+              <a:solidFill>
+                <a:srgbClr val="FFFFFF"/>
+              </a:solidFill>
+              <a:latin typeface="宋体" panose="02010600030101010101" pitchFamily="2" charset="-122"/>
+              <a:ea typeface="宋体" panose="02010600030101010101" pitchFamily="2" charset="-122"/>
+              <a:sym typeface="宋体" panose="02010600030101010101" pitchFamily="2" charset="-122"/>
             </a:endParaRPr>
           </a:p>
         </p:txBody>
@@ -10472,7 +10776,7 @@
         <p:spPr>
           <a:xfrm>
             <a:off x="1073150" y="1126490"/>
-            <a:ext cx="2130425" cy="368300"/>
+            <a:ext cx="2359025" cy="368300"/>
           </a:xfrm>
           <a:prstGeom prst="rect">
             <a:avLst/>
@@ -10494,7 +10798,7 @@
                 <a:ea typeface="微软雅黑" panose="020B0503020204020204" pitchFamily="2" charset="-122"/>
                 <a:sym typeface="微软雅黑" panose="020B0503020204020204" pitchFamily="2" charset="-122"/>
               </a:rPr>
-              <a:t>4.4</a:t>
+              <a:t>4</a:t>
             </a:r>
             <a:r>
               <a:rPr lang="zh-CN" b="1" dirty="0">
@@ -10505,7 +10809,7 @@
                 <a:ea typeface="微软雅黑" panose="020B0503020204020204" pitchFamily="2" charset="-122"/>
                 <a:sym typeface="微软雅黑" panose="020B0503020204020204" pitchFamily="2" charset="-122"/>
               </a:rPr>
-              <a:t>处理源路由请求</a:t>
+              <a:t>.5发出路由发现请求</a:t>
             </a:r>
             <a:endParaRPr lang="zh-CN" b="1" dirty="0">
               <a:solidFill>
@@ -10526,8 +10830,8 @@
         </p:nvSpPr>
         <p:spPr>
           <a:xfrm>
-            <a:off x="6029960" y="1689735"/>
-            <a:ext cx="5044440" cy="2999740"/>
+            <a:off x="5765800" y="1557655"/>
+            <a:ext cx="5044440" cy="3415030"/>
           </a:xfrm>
           <a:prstGeom prst="rect">
             <a:avLst/>
@@ -10553,7 +10857,7 @@
                 <a:ea typeface="微软雅黑" panose="020B0503020204020204" pitchFamily="2" charset="-122"/>
                 <a:sym typeface="微软雅黑" panose="020B0503020204020204" pitchFamily="2" charset="-122"/>
               </a:rPr>
-              <a:t>在DSR协议众多的操作之中，我们首先分析对于源路由选项的处理，因为这是整个协议中相当基础的一个操作——在知道路由路径的情况下如何将数据包发送到目标地址。</a:t>
+              <a:t>当一个节点不知道应该如何到达目标节点时，就会采用路由发现来寻找路由。在开始分析这个过程的具体实现代码之前，首先要对一些数据结构进行介绍，首当其冲的就是路由请求表，它的定义如左：</a:t>
             </a:r>
             <a:endParaRPr lang="zh-CN" b="1" dirty="0">
               <a:solidFill>
@@ -10570,17 +10874,6 @@
                 <a:spcPct val="150000"/>
               </a:lnSpc>
             </a:pPr>
-            <a:r>
-              <a:rPr lang="zh-CN" b="1" dirty="0">
-                <a:solidFill>
-                  <a:srgbClr val="7F7F7F"/>
-                </a:solidFill>
-                <a:latin typeface="微软雅黑" panose="020B0503020204020204" pitchFamily="2" charset="-122"/>
-                <a:ea typeface="微软雅黑" panose="020B0503020204020204" pitchFamily="2" charset="-122"/>
-                <a:sym typeface="微软雅黑" panose="020B0503020204020204" pitchFamily="2" charset="-122"/>
-              </a:rPr>
-              <a:t>源路由在这里是指发送的数据包沿途经过的节点，也就是路由的路径。而在协议内部，使用结构dsr_srt来描述源路由，它的定义左图：</a:t>
-            </a:r>
             <a:endParaRPr lang="zh-CN" b="1" dirty="0">
               <a:solidFill>
                 <a:srgbClr val="7F7F7F"/>
@@ -10590,11 +10883,137 @@
               <a:sym typeface="微软雅黑" panose="020B0503020204020204" pitchFamily="2" charset="-122"/>
             </a:endParaRPr>
           </a:p>
+          <a:p>
+            <a:pPr>
+              <a:lnSpc>
+                <a:spcPct val="150000"/>
+              </a:lnSpc>
+            </a:pPr>
+            <a:r>
+              <a:rPr lang="zh-CN" b="1" dirty="0">
+                <a:solidFill>
+                  <a:srgbClr val="7F7F7F"/>
+                </a:solidFill>
+                <a:latin typeface="微软雅黑" panose="020B0503020204020204" pitchFamily="2" charset="-122"/>
+                <a:ea typeface="微软雅黑" panose="020B0503020204020204" pitchFamily="2" charset="-122"/>
+                <a:sym typeface="微软雅黑" panose="020B0503020204020204" pitchFamily="2" charset="-122"/>
+              </a:rPr>
+              <a:t>在了解了这一点后，我们来看路由发现的具体实现，它的代码实现如下页：</a:t>
+            </a:r>
+            <a:endParaRPr lang="zh-CN" b="1" dirty="0">
+              <a:solidFill>
+                <a:srgbClr val="7F7F7F"/>
+              </a:solidFill>
+              <a:latin typeface="微软雅黑" panose="020B0503020204020204" pitchFamily="2" charset="-122"/>
+              <a:ea typeface="微软雅黑" panose="020B0503020204020204" pitchFamily="2" charset="-122"/>
+              <a:sym typeface="微软雅黑" panose="020B0503020204020204" pitchFamily="2" charset="-122"/>
+            </a:endParaRPr>
+          </a:p>
+        </p:txBody>
+      </p:sp>
+      <p:sp>
+        <p:nvSpPr>
+          <p:cNvPr id="6" name="文本框 5"/>
+          <p:cNvSpPr txBox="1"/>
+          <p:nvPr/>
+        </p:nvSpPr>
+        <p:spPr>
+          <a:xfrm>
+            <a:off x="1073150" y="4173855"/>
+            <a:ext cx="4956810" cy="1337945"/>
+          </a:xfrm>
+          <a:prstGeom prst="rect">
+            <a:avLst/>
+          </a:prstGeom>
+          <a:noFill/>
+        </p:spPr>
+        <p:txBody>
+          <a:bodyPr wrap="square" rtlCol="0">
+            <a:spAutoFit/>
+          </a:bodyPr>
+          <a:p>
+            <a:pPr algn="l">
+              <a:lnSpc>
+                <a:spcPct val="150000"/>
+              </a:lnSpc>
+            </a:pPr>
+            <a:r>
+              <a:rPr b="1" dirty="0">
+                <a:solidFill>
+                  <a:srgbClr val="7F7F7F"/>
+                </a:solidFill>
+                <a:latin typeface="微软雅黑" panose="020B0503020204020204" pitchFamily="2" charset="-122"/>
+                <a:ea typeface="微软雅黑" panose="020B0503020204020204" pitchFamily="2" charset="-122"/>
+                <a:sym typeface="微软雅黑" panose="020B0503020204020204" pitchFamily="2" charset="-122"/>
+              </a:rPr>
+              <a:t>node_addr:路由请求的目标地址。</a:t>
+            </a:r>
+            <a:endParaRPr b="1" dirty="0">
+              <a:solidFill>
+                <a:srgbClr val="7F7F7F"/>
+              </a:solidFill>
+              <a:latin typeface="微软雅黑" panose="020B0503020204020204" pitchFamily="2" charset="-122"/>
+              <a:ea typeface="微软雅黑" panose="020B0503020204020204" pitchFamily="2" charset="-122"/>
+              <a:sym typeface="微软雅黑" panose="020B0503020204020204" pitchFamily="2" charset="-122"/>
+            </a:endParaRPr>
+          </a:p>
+          <a:p>
+            <a:pPr algn="l">
+              <a:lnSpc>
+                <a:spcPct val="150000"/>
+              </a:lnSpc>
+            </a:pPr>
+            <a:r>
+              <a:rPr b="1" dirty="0">
+                <a:solidFill>
+                  <a:srgbClr val="7F7F7F"/>
+                </a:solidFill>
+                <a:latin typeface="微软雅黑" panose="020B0503020204020204" pitchFamily="2" charset="-122"/>
+                <a:ea typeface="微软雅黑" panose="020B0503020204020204" pitchFamily="2" charset="-122"/>
+                <a:sym typeface="微软雅黑" panose="020B0503020204020204" pitchFamily="2" charset="-122"/>
+              </a:rPr>
+              <a:t>state:表示路由请求的状态。</a:t>
+            </a:r>
+            <a:endParaRPr b="1" dirty="0">
+              <a:solidFill>
+                <a:srgbClr val="7F7F7F"/>
+              </a:solidFill>
+              <a:latin typeface="微软雅黑" panose="020B0503020204020204" pitchFamily="2" charset="-122"/>
+              <a:ea typeface="微软雅黑" panose="020B0503020204020204" pitchFamily="2" charset="-122"/>
+              <a:sym typeface="微软雅黑" panose="020B0503020204020204" pitchFamily="2" charset="-122"/>
+            </a:endParaRPr>
+          </a:p>
+          <a:p>
+            <a:pPr algn="l">
+              <a:lnSpc>
+                <a:spcPct val="150000"/>
+              </a:lnSpc>
+            </a:pPr>
+            <a:r>
+              <a:rPr b="1" dirty="0">
+                <a:solidFill>
+                  <a:srgbClr val="7F7F7F"/>
+                </a:solidFill>
+                <a:latin typeface="微软雅黑" panose="020B0503020204020204" pitchFamily="2" charset="-122"/>
+                <a:ea typeface="微软雅黑" panose="020B0503020204020204" pitchFamily="2" charset="-122"/>
+                <a:sym typeface="微软雅黑" panose="020B0503020204020204" pitchFamily="2" charset="-122"/>
+              </a:rPr>
+              <a:t>last_used:上一次被使用到现在的时间间隔。</a:t>
+            </a:r>
+            <a:endParaRPr b="1" dirty="0">
+              <a:solidFill>
+                <a:srgbClr val="7F7F7F"/>
+              </a:solidFill>
+              <a:latin typeface="微软雅黑" panose="020B0503020204020204" pitchFamily="2" charset="-122"/>
+              <a:ea typeface="微软雅黑" panose="020B0503020204020204" pitchFamily="2" charset="-122"/>
+              <a:sym typeface="微软雅黑" panose="020B0503020204020204" pitchFamily="2" charset="-122"/>
+            </a:endParaRPr>
+          </a:p>
         </p:txBody>
       </p:sp>
       <p:pic>
         <p:nvPicPr>
-          <p:cNvPr id="29" name="图片 29"/>
+          <p:cNvPr id="2" name="图片 7"/>
           <p:cNvPicPr>
             <a:picLocks noChangeAspect="1"/>
           </p:cNvPicPr>
@@ -10608,8 +11027,8 @@
         </p:blipFill>
         <p:spPr>
           <a:xfrm>
-            <a:off x="911860" y="2089150"/>
-            <a:ext cx="4587240" cy="1346200"/>
+            <a:off x="1176655" y="1689735"/>
+            <a:ext cx="2915920" cy="2104390"/>
           </a:xfrm>
           <a:prstGeom prst="rect">
             <a:avLst/>
@@ -10618,126 +11037,36 @@
       </p:pic>
       <p:sp>
         <p:nvSpPr>
-          <p:cNvPr id="6" name="文本框 5"/>
-          <p:cNvSpPr txBox="1"/>
-          <p:nvPr/>
-        </p:nvSpPr>
-        <p:spPr>
-          <a:xfrm>
-            <a:off x="911860" y="3737610"/>
-            <a:ext cx="4122420" cy="1753235"/>
-          </a:xfrm>
-          <a:prstGeom prst="rect">
-            <a:avLst/>
-          </a:prstGeom>
-          <a:noFill/>
-        </p:spPr>
-        <p:txBody>
-          <a:bodyPr wrap="square" rtlCol="0">
-            <a:spAutoFit/>
-          </a:bodyPr>
-          <a:p>
-            <a:pPr algn="l">
-              <a:lnSpc>
-                <a:spcPct val="150000"/>
-              </a:lnSpc>
-            </a:pPr>
-            <a:r>
-              <a:rPr b="1" dirty="0">
-                <a:solidFill>
-                  <a:srgbClr val="7F7F7F"/>
-                </a:solidFill>
-                <a:latin typeface="微软雅黑" panose="020B0503020204020204" pitchFamily="2" charset="-122"/>
-                <a:ea typeface="微软雅黑" panose="020B0503020204020204" pitchFamily="2" charset="-122"/>
-                <a:sym typeface="微软雅黑" panose="020B0503020204020204" pitchFamily="2" charset="-122"/>
-              </a:rPr>
-              <a:t>Src:源节点。</a:t>
-            </a:r>
-            <a:endParaRPr b="1" dirty="0">
+          <p:cNvPr id="16" name="矩形 2"/>
+          <p:cNvSpPr/>
+          <p:nvPr/>
+        </p:nvSpPr>
+        <p:spPr>
+          <a:xfrm>
+            <a:off x="11017250" y="1426210"/>
+            <a:ext cx="76200" cy="3677920"/>
+          </a:xfrm>
+          <a:prstGeom prst="rect">
+            <a:avLst/>
+          </a:prstGeom>
+          <a:solidFill>
+            <a:srgbClr val="314865"/>
+          </a:solidFill>
+          <a:ln w="12700">
+            <a:noFill/>
+          </a:ln>
+        </p:spPr>
+        <p:txBody>
+          <a:bodyPr anchor="ctr"/>
+          <a:p>
+            <a:pPr algn="ctr"/>
+            <a:endParaRPr>
               <a:solidFill>
-                <a:srgbClr val="7F7F7F"/>
+                <a:srgbClr val="FFFFFF"/>
               </a:solidFill>
-              <a:latin typeface="微软雅黑" panose="020B0503020204020204" pitchFamily="2" charset="-122"/>
-              <a:ea typeface="微软雅黑" panose="020B0503020204020204" pitchFamily="2" charset="-122"/>
-              <a:sym typeface="微软雅黑" panose="020B0503020204020204" pitchFamily="2" charset="-122"/>
-            </a:endParaRPr>
-          </a:p>
-          <a:p>
-            <a:pPr algn="l">
-              <a:lnSpc>
-                <a:spcPct val="150000"/>
-              </a:lnSpc>
-            </a:pPr>
-            <a:r>
-              <a:rPr b="1" dirty="0">
-                <a:solidFill>
-                  <a:srgbClr val="7F7F7F"/>
-                </a:solidFill>
-                <a:latin typeface="微软雅黑" panose="020B0503020204020204" pitchFamily="2" charset="-122"/>
-                <a:ea typeface="微软雅黑" panose="020B0503020204020204" pitchFamily="2" charset="-122"/>
-                <a:sym typeface="微软雅黑" panose="020B0503020204020204" pitchFamily="2" charset="-122"/>
-              </a:rPr>
-              <a:t>Dst：目标节点。</a:t>
-            </a:r>
-            <a:endParaRPr b="1" dirty="0">
-              <a:solidFill>
-                <a:srgbClr val="7F7F7F"/>
-              </a:solidFill>
-              <a:latin typeface="微软雅黑" panose="020B0503020204020204" pitchFamily="2" charset="-122"/>
-              <a:ea typeface="微软雅黑" panose="020B0503020204020204" pitchFamily="2" charset="-122"/>
-              <a:sym typeface="微软雅黑" panose="020B0503020204020204" pitchFamily="2" charset="-122"/>
-            </a:endParaRPr>
-          </a:p>
-          <a:p>
-            <a:pPr algn="l">
-              <a:lnSpc>
-                <a:spcPct val="150000"/>
-              </a:lnSpc>
-            </a:pPr>
-            <a:r>
-              <a:rPr b="1" dirty="0">
-                <a:solidFill>
-                  <a:srgbClr val="7F7F7F"/>
-                </a:solidFill>
-                <a:latin typeface="微软雅黑" panose="020B0503020204020204" pitchFamily="2" charset="-122"/>
-                <a:ea typeface="微软雅黑" panose="020B0503020204020204" pitchFamily="2" charset="-122"/>
-                <a:sym typeface="微软雅黑" panose="020B0503020204020204" pitchFamily="2" charset="-122"/>
-              </a:rPr>
-              <a:t>Laddrs:地址总长度。</a:t>
-            </a:r>
-            <a:endParaRPr b="1" dirty="0">
-              <a:solidFill>
-                <a:srgbClr val="7F7F7F"/>
-              </a:solidFill>
-              <a:latin typeface="微软雅黑" panose="020B0503020204020204" pitchFamily="2" charset="-122"/>
-              <a:ea typeface="微软雅黑" panose="020B0503020204020204" pitchFamily="2" charset="-122"/>
-              <a:sym typeface="微软雅黑" panose="020B0503020204020204" pitchFamily="2" charset="-122"/>
-            </a:endParaRPr>
-          </a:p>
-          <a:p>
-            <a:pPr algn="l">
-              <a:lnSpc>
-                <a:spcPct val="150000"/>
-              </a:lnSpc>
-            </a:pPr>
-            <a:r>
-              <a:rPr b="1" dirty="0">
-                <a:solidFill>
-                  <a:srgbClr val="7F7F7F"/>
-                </a:solidFill>
-                <a:latin typeface="微软雅黑" panose="020B0503020204020204" pitchFamily="2" charset="-122"/>
-                <a:ea typeface="微软雅黑" panose="020B0503020204020204" pitchFamily="2" charset="-122"/>
-                <a:sym typeface="微软雅黑" panose="020B0503020204020204" pitchFamily="2" charset="-122"/>
-              </a:rPr>
-              <a:t>Addrs[1..n]:路径，经过的中间节点。</a:t>
-            </a:r>
-            <a:endParaRPr lang="zh-CN" altLang="en-US" b="1" dirty="0">
-              <a:solidFill>
-                <a:srgbClr val="7F7F7F"/>
-              </a:solidFill>
-              <a:latin typeface="微软雅黑" panose="020B0503020204020204" pitchFamily="2" charset="-122"/>
-              <a:ea typeface="微软雅黑" panose="020B0503020204020204" pitchFamily="2" charset="-122"/>
-              <a:sym typeface="微软雅黑" panose="020B0503020204020204" pitchFamily="2" charset="-122"/>
+              <a:latin typeface="宋体" panose="02010600030101010101" pitchFamily="2" charset="-122"/>
+              <a:ea typeface="宋体" panose="02010600030101010101" pitchFamily="2" charset="-122"/>
+              <a:sym typeface="宋体" panose="02010600030101010101" pitchFamily="2" charset="-122"/>
             </a:endParaRPr>
           </a:p>
         </p:txBody>
@@ -10765,6 +11094,1080 @@
       <p:grpSpPr/>
       <p:sp>
         <p:nvSpPr>
+          <p:cNvPr id="7" name="文本框 6"/>
+          <p:cNvSpPr txBox="1"/>
+          <p:nvPr/>
+        </p:nvSpPr>
+        <p:spPr>
+          <a:xfrm>
+            <a:off x="1073150" y="1126490"/>
+            <a:ext cx="2130425" cy="368300"/>
+          </a:xfrm>
+          <a:prstGeom prst="rect">
+            <a:avLst/>
+          </a:prstGeom>
+          <a:noFill/>
+        </p:spPr>
+        <p:txBody>
+          <a:bodyPr wrap="none" rtlCol="0" anchor="t">
+            <a:spAutoFit/>
+          </a:bodyPr>
+          <a:p>
+            <a:pPr algn="l"/>
+            <a:r>
+              <a:rPr lang="en-US" b="1" dirty="0">
+                <a:solidFill>
+                  <a:srgbClr val="7F7F7F"/>
+                </a:solidFill>
+                <a:latin typeface="微软雅黑" panose="020B0503020204020204" pitchFamily="2" charset="-122"/>
+                <a:ea typeface="微软雅黑" panose="020B0503020204020204" pitchFamily="2" charset="-122"/>
+                <a:sym typeface="微软雅黑" panose="020B0503020204020204" pitchFamily="2" charset="-122"/>
+              </a:rPr>
+              <a:t>4.4</a:t>
+            </a:r>
+            <a:r>
+              <a:rPr lang="zh-CN" b="1" dirty="0">
+                <a:solidFill>
+                  <a:srgbClr val="7F7F7F"/>
+                </a:solidFill>
+                <a:latin typeface="微软雅黑" panose="020B0503020204020204" pitchFamily="2" charset="-122"/>
+                <a:ea typeface="微软雅黑" panose="020B0503020204020204" pitchFamily="2" charset="-122"/>
+                <a:sym typeface="微软雅黑" panose="020B0503020204020204" pitchFamily="2" charset="-122"/>
+              </a:rPr>
+              <a:t>处理源路由请求</a:t>
+            </a:r>
+            <a:endParaRPr lang="zh-CN" b="1" dirty="0">
+              <a:solidFill>
+                <a:srgbClr val="7F7F7F"/>
+              </a:solidFill>
+              <a:latin typeface="微软雅黑" panose="020B0503020204020204" pitchFamily="2" charset="-122"/>
+              <a:ea typeface="微软雅黑" panose="020B0503020204020204" pitchFamily="2" charset="-122"/>
+              <a:sym typeface="微软雅黑" panose="020B0503020204020204" pitchFamily="2" charset="-122"/>
+            </a:endParaRPr>
+          </a:p>
+        </p:txBody>
+      </p:sp>
+      <p:sp>
+        <p:nvSpPr>
+          <p:cNvPr id="8" name="文本框 7"/>
+          <p:cNvSpPr txBox="1"/>
+          <p:nvPr/>
+        </p:nvSpPr>
+        <p:spPr>
+          <a:xfrm>
+            <a:off x="6029960" y="1689735"/>
+            <a:ext cx="5044440" cy="2999740"/>
+          </a:xfrm>
+          <a:prstGeom prst="rect">
+            <a:avLst/>
+          </a:prstGeom>
+          <a:noFill/>
+        </p:spPr>
+        <p:txBody>
+          <a:bodyPr wrap="square" rtlCol="0" anchor="t">
+            <a:spAutoFit/>
+          </a:bodyPr>
+          <a:p>
+            <a:pPr>
+              <a:lnSpc>
+                <a:spcPct val="150000"/>
+              </a:lnSpc>
+            </a:pPr>
+            <a:r>
+              <a:rPr lang="zh-CN" b="1" dirty="0">
+                <a:solidFill>
+                  <a:srgbClr val="7F7F7F"/>
+                </a:solidFill>
+                <a:latin typeface="微软雅黑" panose="020B0503020204020204" pitchFamily="2" charset="-122"/>
+                <a:ea typeface="微软雅黑" panose="020B0503020204020204" pitchFamily="2" charset="-122"/>
+                <a:sym typeface="微软雅黑" panose="020B0503020204020204" pitchFamily="2" charset="-122"/>
+              </a:rPr>
+              <a:t>在DSR协议众多的操作之中，我们首先分析对于源路由选项的处理，因为这是整个协议中相当基础的一个操作——在知道路由路径的情况下如何将数据包发送到目标地址。</a:t>
+            </a:r>
+            <a:endParaRPr lang="zh-CN" b="1" dirty="0">
+              <a:solidFill>
+                <a:srgbClr val="7F7F7F"/>
+              </a:solidFill>
+              <a:latin typeface="微软雅黑" panose="020B0503020204020204" pitchFamily="2" charset="-122"/>
+              <a:ea typeface="微软雅黑" panose="020B0503020204020204" pitchFamily="2" charset="-122"/>
+              <a:sym typeface="微软雅黑" panose="020B0503020204020204" pitchFamily="2" charset="-122"/>
+            </a:endParaRPr>
+          </a:p>
+          <a:p>
+            <a:pPr>
+              <a:lnSpc>
+                <a:spcPct val="150000"/>
+              </a:lnSpc>
+            </a:pPr>
+            <a:r>
+              <a:rPr lang="zh-CN" b="1" dirty="0">
+                <a:solidFill>
+                  <a:srgbClr val="7F7F7F"/>
+                </a:solidFill>
+                <a:latin typeface="微软雅黑" panose="020B0503020204020204" pitchFamily="2" charset="-122"/>
+                <a:ea typeface="微软雅黑" panose="020B0503020204020204" pitchFamily="2" charset="-122"/>
+                <a:sym typeface="微软雅黑" panose="020B0503020204020204" pitchFamily="2" charset="-122"/>
+              </a:rPr>
+              <a:t>源路由在这里是指发送的数据包沿途经过的节点，也就是路由的路径。而在协议内部，使用结构dsr_srt来描述源路由，它的定义左图：</a:t>
+            </a:r>
+            <a:endParaRPr lang="zh-CN" b="1" dirty="0">
+              <a:solidFill>
+                <a:srgbClr val="7F7F7F"/>
+              </a:solidFill>
+              <a:latin typeface="微软雅黑" panose="020B0503020204020204" pitchFamily="2" charset="-122"/>
+              <a:ea typeface="微软雅黑" panose="020B0503020204020204" pitchFamily="2" charset="-122"/>
+              <a:sym typeface="微软雅黑" panose="020B0503020204020204" pitchFamily="2" charset="-122"/>
+            </a:endParaRPr>
+          </a:p>
+        </p:txBody>
+      </p:sp>
+      <p:pic>
+        <p:nvPicPr>
+          <p:cNvPr id="29" name="图片 29"/>
+          <p:cNvPicPr>
+            <a:picLocks noChangeAspect="1"/>
+          </p:cNvPicPr>
+          <p:nvPr/>
+        </p:nvPicPr>
+        <p:blipFill>
+          <a:blip r:embed="rId1"/>
+          <a:stretch>
+            <a:fillRect/>
+          </a:stretch>
+        </p:blipFill>
+        <p:spPr>
+          <a:xfrm>
+            <a:off x="911860" y="2089150"/>
+            <a:ext cx="4587240" cy="1346200"/>
+          </a:xfrm>
+          <a:prstGeom prst="rect">
+            <a:avLst/>
+          </a:prstGeom>
+        </p:spPr>
+      </p:pic>
+      <p:sp>
+        <p:nvSpPr>
+          <p:cNvPr id="6" name="文本框 5"/>
+          <p:cNvSpPr txBox="1"/>
+          <p:nvPr/>
+        </p:nvSpPr>
+        <p:spPr>
+          <a:xfrm>
+            <a:off x="911860" y="4766310"/>
+            <a:ext cx="9337040" cy="829945"/>
+          </a:xfrm>
+          <a:prstGeom prst="rect">
+            <a:avLst/>
+          </a:prstGeom>
+          <a:noFill/>
+        </p:spPr>
+        <p:txBody>
+          <a:bodyPr wrap="square" rtlCol="0">
+            <a:spAutoFit/>
+          </a:bodyPr>
+          <a:p>
+            <a:pPr algn="l">
+              <a:lnSpc>
+                <a:spcPct val="150000"/>
+              </a:lnSpc>
+            </a:pPr>
+            <a:r>
+              <a:rPr sz="1600" b="1" dirty="0">
+                <a:solidFill>
+                  <a:srgbClr val="7F7F7F"/>
+                </a:solidFill>
+                <a:latin typeface="微软雅黑" panose="020B0503020204020204" pitchFamily="2" charset="-122"/>
+                <a:ea typeface="微软雅黑" panose="020B0503020204020204" pitchFamily="2" charset="-122"/>
+                <a:sym typeface="微软雅黑" panose="020B0503020204020204" pitchFamily="2" charset="-122"/>
+              </a:rPr>
+              <a:t>从代码中可以很清晰的看出路由发现的运行逻辑。第11行代码是路由发现的第一个步骤：在路由请求表中寻找是否已经有相同目的地的路由请求。__tbl_find函数的实现如下：</a:t>
+            </a:r>
+            <a:endParaRPr sz="1600" b="1" dirty="0">
+              <a:solidFill>
+                <a:srgbClr val="7F7F7F"/>
+              </a:solidFill>
+              <a:latin typeface="微软雅黑" panose="020B0503020204020204" pitchFamily="2" charset="-122"/>
+              <a:ea typeface="微软雅黑" panose="020B0503020204020204" pitchFamily="2" charset="-122"/>
+              <a:sym typeface="微软雅黑" panose="020B0503020204020204" pitchFamily="2" charset="-122"/>
+            </a:endParaRPr>
+          </a:p>
+        </p:txBody>
+      </p:sp>
+      <p:pic>
+        <p:nvPicPr>
+          <p:cNvPr id="10" name="图片 10"/>
+          <p:cNvPicPr>
+            <a:picLocks noChangeAspect="1"/>
+          </p:cNvPicPr>
+          <p:nvPr/>
+        </p:nvPicPr>
+        <p:blipFill>
+          <a:blip r:embed="rId2"/>
+          <a:stretch>
+            <a:fillRect/>
+          </a:stretch>
+        </p:blipFill>
+        <p:spPr>
+          <a:xfrm>
+            <a:off x="743585" y="762953"/>
+            <a:ext cx="4923790" cy="3926205"/>
+          </a:xfrm>
+          <a:prstGeom prst="rect">
+            <a:avLst/>
+          </a:prstGeom>
+        </p:spPr>
+      </p:pic>
+      <p:pic>
+        <p:nvPicPr>
+          <p:cNvPr id="11" name="图片 11"/>
+          <p:cNvPicPr>
+            <a:picLocks noChangeAspect="1"/>
+          </p:cNvPicPr>
+          <p:nvPr/>
+        </p:nvPicPr>
+        <p:blipFill>
+          <a:blip r:embed="rId3"/>
+          <a:stretch>
+            <a:fillRect/>
+          </a:stretch>
+        </p:blipFill>
+        <p:spPr>
+          <a:xfrm>
+            <a:off x="5863590" y="763270"/>
+            <a:ext cx="5274310" cy="3799840"/>
+          </a:xfrm>
+          <a:prstGeom prst="rect">
+            <a:avLst/>
+          </a:prstGeom>
+        </p:spPr>
+      </p:pic>
+    </p:spTree>
+  </p:cSld>
+  <p:clrMapOvr>
+    <a:masterClrMapping/>
+  </p:clrMapOvr>
+  <p:transition spd="med">
+    <p:fade/>
+  </p:transition>
+</p:sld>
+</file>
+
+<file path=ppt/slides/slide23.xml><?xml version="1.0" encoding="utf-8"?>
+<p:sld xmlns:a="http://schemas.openxmlformats.org/drawingml/2006/main" xmlns:r="http://schemas.openxmlformats.org/officeDocument/2006/relationships" xmlns:p="http://schemas.openxmlformats.org/presentationml/2006/main">
+  <p:cSld>
+    <p:spTree>
+      <p:nvGrpSpPr>
+        <p:cNvPr id="1" name=""/>
+        <p:cNvGrpSpPr/>
+        <p:nvPr/>
+      </p:nvGrpSpPr>
+      <p:grpSpPr/>
+      <p:sp>
+        <p:nvSpPr>
+          <p:cNvPr id="6" name="文本框 5"/>
+          <p:cNvSpPr txBox="1"/>
+          <p:nvPr/>
+        </p:nvSpPr>
+        <p:spPr>
+          <a:xfrm>
+            <a:off x="920115" y="748030"/>
+            <a:ext cx="9337040" cy="460375"/>
+          </a:xfrm>
+          <a:prstGeom prst="rect">
+            <a:avLst/>
+          </a:prstGeom>
+          <a:noFill/>
+        </p:spPr>
+        <p:txBody>
+          <a:bodyPr wrap="square" rtlCol="0">
+            <a:spAutoFit/>
+          </a:bodyPr>
+          <a:p>
+            <a:pPr algn="l">
+              <a:lnSpc>
+                <a:spcPct val="150000"/>
+              </a:lnSpc>
+            </a:pPr>
+            <a:r>
+              <a:rPr sz="1600" b="1" dirty="0">
+                <a:solidFill>
+                  <a:srgbClr val="7F7F7F"/>
+                </a:solidFill>
+                <a:latin typeface="微软雅黑" panose="020B0503020204020204" pitchFamily="2" charset="-122"/>
+                <a:ea typeface="微软雅黑" panose="020B0503020204020204" pitchFamily="2" charset="-122"/>
+                <a:sym typeface="微软雅黑" panose="020B0503020204020204" pitchFamily="2" charset="-122"/>
+              </a:rPr>
+              <a:t>tbl.h中__tbl_find的定义和dsr_rreq.c中crit_addr的定义</a:t>
+            </a:r>
+            <a:endParaRPr sz="1600" b="1" dirty="0">
+              <a:solidFill>
+                <a:srgbClr val="7F7F7F"/>
+              </a:solidFill>
+              <a:latin typeface="微软雅黑" panose="020B0503020204020204" pitchFamily="2" charset="-122"/>
+              <a:ea typeface="微软雅黑" panose="020B0503020204020204" pitchFamily="2" charset="-122"/>
+              <a:sym typeface="微软雅黑" panose="020B0503020204020204" pitchFamily="2" charset="-122"/>
+            </a:endParaRPr>
+          </a:p>
+        </p:txBody>
+      </p:sp>
+      <p:pic>
+        <p:nvPicPr>
+          <p:cNvPr id="9" name="图片 9"/>
+          <p:cNvPicPr>
+            <a:picLocks noChangeAspect="1"/>
+          </p:cNvPicPr>
+          <p:nvPr/>
+        </p:nvPicPr>
+        <p:blipFill>
+          <a:blip r:embed="rId1"/>
+          <a:stretch>
+            <a:fillRect/>
+          </a:stretch>
+        </p:blipFill>
+        <p:spPr>
+          <a:xfrm>
+            <a:off x="1091565" y="1457008"/>
+            <a:ext cx="5274310" cy="2607945"/>
+          </a:xfrm>
+          <a:prstGeom prst="rect">
+            <a:avLst/>
+          </a:prstGeom>
+        </p:spPr>
+      </p:pic>
+      <p:sp>
+        <p:nvSpPr>
+          <p:cNvPr id="2" name="文本框 1"/>
+          <p:cNvSpPr txBox="1"/>
+          <p:nvPr/>
+        </p:nvSpPr>
+        <p:spPr>
+          <a:xfrm>
+            <a:off x="6483350" y="1073785"/>
+            <a:ext cx="5044440" cy="4523105"/>
+          </a:xfrm>
+          <a:prstGeom prst="rect">
+            <a:avLst/>
+          </a:prstGeom>
+          <a:noFill/>
+        </p:spPr>
+        <p:txBody>
+          <a:bodyPr wrap="square" rtlCol="0" anchor="t">
+            <a:spAutoFit/>
+          </a:bodyPr>
+          <a:p>
+            <a:pPr>
+              <a:lnSpc>
+                <a:spcPct val="150000"/>
+              </a:lnSpc>
+            </a:pPr>
+            <a:r>
+              <a:rPr lang="zh-CN" sz="1600" b="1" dirty="0">
+                <a:solidFill>
+                  <a:srgbClr val="7F7F7F"/>
+                </a:solidFill>
+                <a:latin typeface="微软雅黑" panose="020B0503020204020204" pitchFamily="2" charset="-122"/>
+                <a:ea typeface="微软雅黑" panose="020B0503020204020204" pitchFamily="2" charset="-122"/>
+                <a:sym typeface="微软雅黑" panose="020B0503020204020204" pitchFamily="2" charset="-122"/>
+              </a:rPr>
+              <a:t>我们发现criteira_t是一个参数为两个void型指针，返回值为int的函数指针，而crit_addr则是在路由发现的过程中传递给该参数的值，从上图第7行代码可以看出它用于判断路由请求表项的目的地址和传进来参数的地址是否匹配。</a:t>
+            </a:r>
+            <a:endParaRPr lang="zh-CN" sz="1600" b="1" dirty="0">
+              <a:solidFill>
+                <a:srgbClr val="7F7F7F"/>
+              </a:solidFill>
+              <a:latin typeface="微软雅黑" panose="020B0503020204020204" pitchFamily="2" charset="-122"/>
+              <a:ea typeface="微软雅黑" panose="020B0503020204020204" pitchFamily="2" charset="-122"/>
+              <a:sym typeface="微软雅黑" panose="020B0503020204020204" pitchFamily="2" charset="-122"/>
+            </a:endParaRPr>
+          </a:p>
+          <a:p>
+            <a:pPr>
+              <a:lnSpc>
+                <a:spcPct val="150000"/>
+              </a:lnSpc>
+            </a:pPr>
+            <a:r>
+              <a:rPr lang="zh-CN" sz="1600" b="1" dirty="0">
+                <a:solidFill>
+                  <a:srgbClr val="7F7F7F"/>
+                </a:solidFill>
+                <a:latin typeface="微软雅黑" panose="020B0503020204020204" pitchFamily="2" charset="-122"/>
+                <a:ea typeface="微软雅黑" panose="020B0503020204020204" pitchFamily="2" charset="-122"/>
+                <a:sym typeface="微软雅黑" panose="020B0503020204020204" pitchFamily="2" charset="-122"/>
+              </a:rPr>
+              <a:t>而整个__tbl_find函数则是遍历整个路由请求表，寻找是否有和参数id相同的地址成功则返回指向匹配元素的指针，没有找到相同的元素就返回NULL。</a:t>
+            </a:r>
+            <a:endParaRPr lang="zh-CN" sz="1600" b="1" dirty="0">
+              <a:solidFill>
+                <a:srgbClr val="7F7F7F"/>
+              </a:solidFill>
+              <a:latin typeface="微软雅黑" panose="020B0503020204020204" pitchFamily="2" charset="-122"/>
+              <a:ea typeface="微软雅黑" panose="020B0503020204020204" pitchFamily="2" charset="-122"/>
+              <a:sym typeface="微软雅黑" panose="020B0503020204020204" pitchFamily="2" charset="-122"/>
+            </a:endParaRPr>
+          </a:p>
+          <a:p>
+            <a:pPr>
+              <a:lnSpc>
+                <a:spcPct val="150000"/>
+              </a:lnSpc>
+            </a:pPr>
+            <a:r>
+              <a:rPr lang="zh-CN" sz="1600" b="1" dirty="0">
+                <a:solidFill>
+                  <a:srgbClr val="7F7F7F"/>
+                </a:solidFill>
+                <a:latin typeface="微软雅黑" panose="020B0503020204020204" pitchFamily="2" charset="-122"/>
+                <a:ea typeface="微软雅黑" panose="020B0503020204020204" pitchFamily="2" charset="-122"/>
+                <a:sym typeface="微软雅黑" panose="020B0503020204020204" pitchFamily="2" charset="-122"/>
+              </a:rPr>
+              <a:t>清楚了这一点之后再看上图的代码就很清晰了，第13-14行，表明了如果没有相同的路由请求，就把该请求添加到路由请求表中，如果有，则删除原先的路由请求，并把新的路由请求添加到路由请求表的末尾。</a:t>
+            </a:r>
+            <a:endParaRPr lang="zh-CN" sz="1600" b="1" dirty="0">
+              <a:solidFill>
+                <a:srgbClr val="7F7F7F"/>
+              </a:solidFill>
+              <a:latin typeface="微软雅黑" panose="020B0503020204020204" pitchFamily="2" charset="-122"/>
+              <a:ea typeface="微软雅黑" panose="020B0503020204020204" pitchFamily="2" charset="-122"/>
+              <a:sym typeface="微软雅黑" panose="020B0503020204020204" pitchFamily="2" charset="-122"/>
+            </a:endParaRPr>
+          </a:p>
+        </p:txBody>
+      </p:sp>
+    </p:spTree>
+  </p:cSld>
+  <p:clrMapOvr>
+    <a:masterClrMapping/>
+  </p:clrMapOvr>
+  <p:transition spd="med">
+    <p:fade/>
+  </p:transition>
+</p:sld>
+</file>
+
+<file path=ppt/slides/slide24.xml><?xml version="1.0" encoding="utf-8"?>
+<p:sld xmlns:a="http://schemas.openxmlformats.org/drawingml/2006/main" xmlns:r="http://schemas.openxmlformats.org/officeDocument/2006/relationships" xmlns:p="http://schemas.openxmlformats.org/presentationml/2006/main">
+  <p:cSld>
+    <p:spTree>
+      <p:nvGrpSpPr>
+        <p:cNvPr id="1" name=""/>
+        <p:cNvGrpSpPr/>
+        <p:nvPr/>
+      </p:nvGrpSpPr>
+      <p:grpSpPr/>
+      <p:sp>
+        <p:nvSpPr>
+          <p:cNvPr id="6" name="文本框 5"/>
+          <p:cNvSpPr txBox="1"/>
+          <p:nvPr/>
+        </p:nvSpPr>
+        <p:spPr>
+          <a:xfrm>
+            <a:off x="791845" y="372110"/>
+            <a:ext cx="9337040" cy="460375"/>
+          </a:xfrm>
+          <a:prstGeom prst="rect">
+            <a:avLst/>
+          </a:prstGeom>
+          <a:noFill/>
+        </p:spPr>
+        <p:txBody>
+          <a:bodyPr wrap="square" rtlCol="0">
+            <a:spAutoFit/>
+          </a:bodyPr>
+          <a:p>
+            <a:pPr algn="l">
+              <a:lnSpc>
+                <a:spcPct val="150000"/>
+              </a:lnSpc>
+            </a:pPr>
+            <a:r>
+              <a:rPr sz="1600" b="1" dirty="0">
+                <a:solidFill>
+                  <a:srgbClr val="7F7F7F"/>
+                </a:solidFill>
+                <a:latin typeface="微软雅黑" panose="020B0503020204020204" pitchFamily="2" charset="-122"/>
+                <a:ea typeface="微软雅黑" panose="020B0503020204020204" pitchFamily="2" charset="-122"/>
+                <a:sym typeface="微软雅黑" panose="020B0503020204020204" pitchFamily="2" charset="-122"/>
+              </a:rPr>
+              <a:t>添加路由请求表项的过程的具体实现如下：</a:t>
+            </a:r>
+            <a:endParaRPr sz="1600" b="1" dirty="0">
+              <a:solidFill>
+                <a:srgbClr val="7F7F7F"/>
+              </a:solidFill>
+              <a:latin typeface="微软雅黑" panose="020B0503020204020204" pitchFamily="2" charset="-122"/>
+              <a:ea typeface="微软雅黑" panose="020B0503020204020204" pitchFamily="2" charset="-122"/>
+              <a:sym typeface="微软雅黑" panose="020B0503020204020204" pitchFamily="2" charset="-122"/>
+            </a:endParaRPr>
+          </a:p>
+        </p:txBody>
+      </p:sp>
+      <p:sp>
+        <p:nvSpPr>
+          <p:cNvPr id="2" name="文本框 1"/>
+          <p:cNvSpPr txBox="1"/>
+          <p:nvPr/>
+        </p:nvSpPr>
+        <p:spPr>
+          <a:xfrm>
+            <a:off x="6218555" y="832485"/>
+            <a:ext cx="5488305" cy="4615815"/>
+          </a:xfrm>
+          <a:prstGeom prst="rect">
+            <a:avLst/>
+          </a:prstGeom>
+          <a:noFill/>
+        </p:spPr>
+        <p:txBody>
+          <a:bodyPr wrap="square" rtlCol="0" anchor="t">
+            <a:spAutoFit/>
+          </a:bodyPr>
+          <a:p>
+            <a:pPr>
+              <a:lnSpc>
+                <a:spcPct val="150000"/>
+              </a:lnSpc>
+            </a:pPr>
+            <a:r>
+              <a:rPr lang="zh-CN" sz="1400" b="1" dirty="0">
+                <a:solidFill>
+                  <a:srgbClr val="7F7F7F"/>
+                </a:solidFill>
+                <a:latin typeface="微软雅黑" panose="020B0503020204020204" pitchFamily="2" charset="-122"/>
+                <a:ea typeface="微软雅黑" panose="020B0503020204020204" pitchFamily="2" charset="-122"/>
+                <a:sym typeface="微软雅黑" panose="020B0503020204020204" pitchFamily="2" charset="-122"/>
+              </a:rPr>
+              <a:t>当调用__rreq_tbl_add时，首先就会调用rreq_tbl_entry_create函数来分配给表项分配一段内存并把这个表项初始化，成功之后返回指向这个表项的指针。接下来我们看图10的第26行代码，在返回到__rreq_tbl_add函数之后，会先判断当前的路由请求表是否已经满了如果已经满了，那么就会将请求表中的第一个表项删除（27-35行），因为其等待的时间最长，最先进入队列却还停留在请求表中。在完成这个操作之后就会把这个路由请求添加到请求表的结尾。</a:t>
+            </a:r>
+            <a:endParaRPr lang="zh-CN" sz="1400" b="1" dirty="0">
+              <a:solidFill>
+                <a:srgbClr val="7F7F7F"/>
+              </a:solidFill>
+              <a:latin typeface="微软雅黑" panose="020B0503020204020204" pitchFamily="2" charset="-122"/>
+              <a:ea typeface="微软雅黑" panose="020B0503020204020204" pitchFamily="2" charset="-122"/>
+              <a:sym typeface="微软雅黑" panose="020B0503020204020204" pitchFamily="2" charset="-122"/>
+            </a:endParaRPr>
+          </a:p>
+          <a:p>
+            <a:pPr>
+              <a:lnSpc>
+                <a:spcPct val="150000"/>
+              </a:lnSpc>
+            </a:pPr>
+            <a:r>
+              <a:rPr lang="zh-CN" sz="1400" b="1" dirty="0">
+                <a:solidFill>
+                  <a:srgbClr val="7F7F7F"/>
+                </a:solidFill>
+                <a:latin typeface="微软雅黑" panose="020B0503020204020204" pitchFamily="2" charset="-122"/>
+                <a:ea typeface="微软雅黑" panose="020B0503020204020204" pitchFamily="2" charset="-122"/>
+                <a:sym typeface="微软雅黑" panose="020B0503020204020204" pitchFamily="2" charset="-122"/>
+              </a:rPr>
+              <a:t>之后我们再次回到dsr_rreq_route_discovery函数中。接下来的代码是关于请求超时的一些设置。第33行把本次路由请求选项的上次使用时间设置成当前事件。第36-39行把路由请求选项设置了请求的超时时间，一旦超出了这段时间路由发现还没有完成，这一路由请求就会被取消。第44-45行设置失效时间expires。</a:t>
+            </a:r>
+            <a:endParaRPr lang="zh-CN" sz="1400" b="1" dirty="0">
+              <a:solidFill>
+                <a:srgbClr val="7F7F7F"/>
+              </a:solidFill>
+              <a:latin typeface="微软雅黑" panose="020B0503020204020204" pitchFamily="2" charset="-122"/>
+              <a:ea typeface="微软雅黑" panose="020B0503020204020204" pitchFamily="2" charset="-122"/>
+              <a:sym typeface="微软雅黑" panose="020B0503020204020204" pitchFamily="2" charset="-122"/>
+            </a:endParaRPr>
+          </a:p>
+          <a:p>
+            <a:pPr>
+              <a:lnSpc>
+                <a:spcPct val="150000"/>
+              </a:lnSpc>
+            </a:pPr>
+            <a:endParaRPr lang="zh-CN" sz="1400" b="1" dirty="0">
+              <a:solidFill>
+                <a:srgbClr val="7F7F7F"/>
+              </a:solidFill>
+              <a:latin typeface="微软雅黑" panose="020B0503020204020204" pitchFamily="2" charset="-122"/>
+              <a:ea typeface="微软雅黑" panose="020B0503020204020204" pitchFamily="2" charset="-122"/>
+              <a:sym typeface="微软雅黑" panose="020B0503020204020204" pitchFamily="2" charset="-122"/>
+            </a:endParaRPr>
+          </a:p>
+          <a:p>
+            <a:pPr>
+              <a:lnSpc>
+                <a:spcPct val="150000"/>
+              </a:lnSpc>
+            </a:pPr>
+            <a:r>
+              <a:rPr lang="zh-CN" sz="1400" b="1" dirty="0">
+                <a:solidFill>
+                  <a:srgbClr val="7F7F7F"/>
+                </a:solidFill>
+                <a:latin typeface="微软雅黑" panose="020B0503020204020204" pitchFamily="2" charset="-122"/>
+                <a:ea typeface="微软雅黑" panose="020B0503020204020204" pitchFamily="2" charset="-122"/>
+                <a:sym typeface="微软雅黑" panose="020B0503020204020204" pitchFamily="2" charset="-122"/>
+              </a:rPr>
+              <a:t>在完成了对时间的相关步骤之后，就到了最后一步——发送请求了</a:t>
+            </a:r>
+            <a:endParaRPr lang="zh-CN" sz="1400" b="1" dirty="0">
+              <a:solidFill>
+                <a:srgbClr val="7F7F7F"/>
+              </a:solidFill>
+              <a:latin typeface="微软雅黑" panose="020B0503020204020204" pitchFamily="2" charset="-122"/>
+              <a:ea typeface="微软雅黑" panose="020B0503020204020204" pitchFamily="2" charset="-122"/>
+              <a:sym typeface="微软雅黑" panose="020B0503020204020204" pitchFamily="2" charset="-122"/>
+            </a:endParaRPr>
+          </a:p>
+        </p:txBody>
+      </p:sp>
+      <p:pic>
+        <p:nvPicPr>
+          <p:cNvPr id="12" name="图片 12"/>
+          <p:cNvPicPr>
+            <a:picLocks noChangeAspect="1"/>
+          </p:cNvPicPr>
+          <p:nvPr/>
+        </p:nvPicPr>
+        <p:blipFill>
+          <a:blip r:embed="rId1"/>
+          <a:stretch>
+            <a:fillRect/>
+          </a:stretch>
+        </p:blipFill>
+        <p:spPr>
+          <a:xfrm>
+            <a:off x="565785" y="936625"/>
+            <a:ext cx="5481320" cy="4787265"/>
+          </a:xfrm>
+          <a:prstGeom prst="rect">
+            <a:avLst/>
+          </a:prstGeom>
+        </p:spPr>
+      </p:pic>
+    </p:spTree>
+  </p:cSld>
+  <p:clrMapOvr>
+    <a:masterClrMapping/>
+  </p:clrMapOvr>
+  <p:transition spd="med">
+    <p:fade/>
+  </p:transition>
+</p:sld>
+</file>
+
+<file path=ppt/slides/slide25.xml><?xml version="1.0" encoding="utf-8"?>
+<p:sld xmlns:a="http://schemas.openxmlformats.org/drawingml/2006/main" xmlns:r="http://schemas.openxmlformats.org/officeDocument/2006/relationships" xmlns:p="http://schemas.openxmlformats.org/presentationml/2006/main">
+  <p:cSld>
+    <p:spTree>
+      <p:nvGrpSpPr>
+        <p:cNvPr id="1" name=""/>
+        <p:cNvGrpSpPr/>
+        <p:nvPr/>
+      </p:nvGrpSpPr>
+      <p:grpSpPr/>
+      <p:sp>
+        <p:nvSpPr>
+          <p:cNvPr id="6" name="文本框 5"/>
+          <p:cNvSpPr txBox="1"/>
+          <p:nvPr/>
+        </p:nvSpPr>
+        <p:spPr>
+          <a:xfrm>
+            <a:off x="705485" y="483235"/>
+            <a:ext cx="9337040" cy="460375"/>
+          </a:xfrm>
+          <a:prstGeom prst="rect">
+            <a:avLst/>
+          </a:prstGeom>
+          <a:noFill/>
+        </p:spPr>
+        <p:txBody>
+          <a:bodyPr wrap="square" rtlCol="0">
+            <a:spAutoFit/>
+          </a:bodyPr>
+          <a:p>
+            <a:pPr algn="l">
+              <a:lnSpc>
+                <a:spcPct val="150000"/>
+              </a:lnSpc>
+            </a:pPr>
+            <a:r>
+              <a:rPr sz="1600" b="1" dirty="0">
+                <a:solidFill>
+                  <a:srgbClr val="7F7F7F"/>
+                </a:solidFill>
+                <a:latin typeface="微软雅黑" panose="020B0503020204020204" pitchFamily="2" charset="-122"/>
+                <a:ea typeface="微软雅黑" panose="020B0503020204020204" pitchFamily="2" charset="-122"/>
+                <a:sym typeface="微软雅黑" panose="020B0503020204020204" pitchFamily="2" charset="-122"/>
+              </a:rPr>
+              <a:t>dsr_rreq_send函数负责了这一任务，他的实现如下：</a:t>
+            </a:r>
+            <a:endParaRPr sz="1600" b="1" dirty="0">
+              <a:solidFill>
+                <a:srgbClr val="7F7F7F"/>
+              </a:solidFill>
+              <a:latin typeface="微软雅黑" panose="020B0503020204020204" pitchFamily="2" charset="-122"/>
+              <a:ea typeface="微软雅黑" panose="020B0503020204020204" pitchFamily="2" charset="-122"/>
+              <a:sym typeface="微软雅黑" panose="020B0503020204020204" pitchFamily="2" charset="-122"/>
+            </a:endParaRPr>
+          </a:p>
+        </p:txBody>
+      </p:sp>
+      <p:sp>
+        <p:nvSpPr>
+          <p:cNvPr id="2" name="文本框 1"/>
+          <p:cNvSpPr txBox="1"/>
+          <p:nvPr/>
+        </p:nvSpPr>
+        <p:spPr>
+          <a:xfrm>
+            <a:off x="6142355" y="396875"/>
+            <a:ext cx="5488305" cy="2353310"/>
+          </a:xfrm>
+          <a:prstGeom prst="rect">
+            <a:avLst/>
+          </a:prstGeom>
+          <a:noFill/>
+        </p:spPr>
+        <p:txBody>
+          <a:bodyPr wrap="square" rtlCol="0" anchor="t">
+            <a:spAutoFit/>
+          </a:bodyPr>
+          <a:p>
+            <a:pPr>
+              <a:lnSpc>
+                <a:spcPct val="150000"/>
+              </a:lnSpc>
+            </a:pPr>
+            <a:r>
+              <a:rPr lang="zh-CN" sz="1400" b="1" dirty="0">
+                <a:solidFill>
+                  <a:srgbClr val="7F7F7F"/>
+                </a:solidFill>
+                <a:latin typeface="微软雅黑" panose="020B0503020204020204" pitchFamily="2" charset="-122"/>
+                <a:ea typeface="微软雅黑" panose="020B0503020204020204" pitchFamily="2" charset="-122"/>
+                <a:sym typeface="微软雅黑" panose="020B0503020204020204" pitchFamily="2" charset="-122"/>
+              </a:rPr>
+              <a:t>首先，在发送前，会先申请分配一个DSR数据包（第6行）。之后会把这个数据包的目的地址设置成广播地址，并把源地址设置成自身的地址（第11到第13行），同时为DSR选项分配相应的内存（第14行）。如果这几步都顺利完成的话，就构造数据包的IP头，包括源地址，目标地址，协议类型和负载长度等信息（第16-17行）。在完成IP头的构造之后就是DSR选项头的构造（第20行）。完成之后自然就是路由请求选项的添加（第26行），它的实现如下</a:t>
+            </a:r>
+            <a:endParaRPr lang="zh-CN" sz="1400" b="1" dirty="0">
+              <a:solidFill>
+                <a:srgbClr val="7F7F7F"/>
+              </a:solidFill>
+              <a:latin typeface="微软雅黑" panose="020B0503020204020204" pitchFamily="2" charset="-122"/>
+              <a:ea typeface="微软雅黑" panose="020B0503020204020204" pitchFamily="2" charset="-122"/>
+              <a:sym typeface="微软雅黑" panose="020B0503020204020204" pitchFamily="2" charset="-122"/>
+            </a:endParaRPr>
+          </a:p>
+        </p:txBody>
+      </p:sp>
+      <p:pic>
+        <p:nvPicPr>
+          <p:cNvPr id="14" name="图片 14"/>
+          <p:cNvPicPr>
+            <a:picLocks noChangeAspect="1"/>
+          </p:cNvPicPr>
+          <p:nvPr/>
+        </p:nvPicPr>
+        <p:blipFill>
+          <a:blip r:embed="rId1"/>
+          <a:stretch>
+            <a:fillRect/>
+          </a:stretch>
+        </p:blipFill>
+        <p:spPr>
+          <a:xfrm>
+            <a:off x="705485" y="1107123"/>
+            <a:ext cx="5274310" cy="4472305"/>
+          </a:xfrm>
+          <a:prstGeom prst="rect">
+            <a:avLst/>
+          </a:prstGeom>
+        </p:spPr>
+      </p:pic>
+      <p:pic>
+        <p:nvPicPr>
+          <p:cNvPr id="18" name="图片 18"/>
+          <p:cNvPicPr>
+            <a:picLocks noChangeAspect="1"/>
+          </p:cNvPicPr>
+          <p:nvPr/>
+        </p:nvPicPr>
+        <p:blipFill>
+          <a:blip r:embed="rId2"/>
+          <a:stretch>
+            <a:fillRect/>
+          </a:stretch>
+        </p:blipFill>
+        <p:spPr>
+          <a:xfrm>
+            <a:off x="6142355" y="2854325"/>
+            <a:ext cx="5274310" cy="2175510"/>
+          </a:xfrm>
+          <a:prstGeom prst="rect">
+            <a:avLst/>
+          </a:prstGeom>
+        </p:spPr>
+      </p:pic>
+      <p:sp>
+        <p:nvSpPr>
+          <p:cNvPr id="3" name="文本框 2"/>
+          <p:cNvSpPr txBox="1"/>
+          <p:nvPr/>
+        </p:nvSpPr>
+        <p:spPr>
+          <a:xfrm>
+            <a:off x="6182995" y="5218430"/>
+            <a:ext cx="5193030" cy="1060450"/>
+          </a:xfrm>
+          <a:prstGeom prst="rect">
+            <a:avLst/>
+          </a:prstGeom>
+          <a:noFill/>
+        </p:spPr>
+        <p:txBody>
+          <a:bodyPr wrap="square" rtlCol="0">
+            <a:spAutoFit/>
+          </a:bodyPr>
+          <a:p>
+            <a:pPr algn="l">
+              <a:lnSpc>
+                <a:spcPct val="150000"/>
+              </a:lnSpc>
+            </a:pPr>
+            <a:r>
+              <a:rPr sz="1400" b="1" dirty="0">
+                <a:solidFill>
+                  <a:srgbClr val="7F7F7F"/>
+                </a:solidFill>
+                <a:latin typeface="微软雅黑" panose="020B0503020204020204" pitchFamily="2" charset="-122"/>
+                <a:ea typeface="微软雅黑" panose="020B0503020204020204" pitchFamily="2" charset="-122"/>
+                <a:sym typeface="微软雅黑" panose="020B0503020204020204" pitchFamily="2" charset="-122"/>
+              </a:rPr>
+              <a:t>这一段代码和添加DSR选项头的代码大致相同，主要是判断缓冲区的空间是否足够，如果足够，就把选项指针指向缓冲区，并初始化id、长度和目的地址。</a:t>
+            </a:r>
+            <a:endParaRPr sz="1400" b="1" dirty="0">
+              <a:solidFill>
+                <a:srgbClr val="7F7F7F"/>
+              </a:solidFill>
+              <a:latin typeface="微软雅黑" panose="020B0503020204020204" pitchFamily="2" charset="-122"/>
+              <a:ea typeface="微软雅黑" panose="020B0503020204020204" pitchFamily="2" charset="-122"/>
+              <a:sym typeface="微软雅黑" panose="020B0503020204020204" pitchFamily="2" charset="-122"/>
+            </a:endParaRPr>
+          </a:p>
+        </p:txBody>
+      </p:sp>
+    </p:spTree>
+  </p:cSld>
+  <p:clrMapOvr>
+    <a:masterClrMapping/>
+  </p:clrMapOvr>
+  <p:transition spd="med">
+    <p:fade/>
+  </p:transition>
+</p:sld>
+</file>
+
+<file path=ppt/slides/slide26.xml><?xml version="1.0" encoding="utf-8"?>
+<p:sld xmlns:a="http://schemas.openxmlformats.org/drawingml/2006/main" xmlns:r="http://schemas.openxmlformats.org/officeDocument/2006/relationships" xmlns:p="http://schemas.openxmlformats.org/presentationml/2006/main">
+  <p:cSld>
+    <p:spTree>
+      <p:nvGrpSpPr>
+        <p:cNvPr id="1" name=""/>
+        <p:cNvGrpSpPr/>
+        <p:nvPr/>
+      </p:nvGrpSpPr>
+      <p:grpSpPr/>
+      <p:sp>
+        <p:nvSpPr>
+          <p:cNvPr id="6" name="文本框 5"/>
+          <p:cNvSpPr txBox="1"/>
+          <p:nvPr/>
+        </p:nvSpPr>
+        <p:spPr>
+          <a:xfrm>
+            <a:off x="6220460" y="1068705"/>
+            <a:ext cx="5258435" cy="4615815"/>
+          </a:xfrm>
+          <a:prstGeom prst="rect">
+            <a:avLst/>
+          </a:prstGeom>
+          <a:noFill/>
+        </p:spPr>
+        <p:txBody>
+          <a:bodyPr wrap="square" rtlCol="0">
+            <a:spAutoFit/>
+          </a:bodyPr>
+          <a:p>
+            <a:pPr algn="l">
+              <a:lnSpc>
+                <a:spcPct val="150000"/>
+              </a:lnSpc>
+            </a:pPr>
+            <a:r>
+              <a:rPr sz="1400" b="1" dirty="0">
+                <a:solidFill>
+                  <a:srgbClr val="7F7F7F"/>
+                </a:solidFill>
+                <a:latin typeface="微软雅黑" panose="020B0503020204020204" pitchFamily="2" charset="-122"/>
+                <a:ea typeface="微软雅黑" panose="020B0503020204020204" pitchFamily="2" charset="-122"/>
+                <a:sym typeface="微软雅黑" panose="020B0503020204020204" pitchFamily="2" charset="-122"/>
+              </a:rPr>
+              <a:t>至此为止，数据包的构造已经全部完成。接下来的工作就是发送数据包了。而XMIT(dp)是dsr_dev_xmit（dp）的宏定义（xmit的含义是transmit，与就是传输的意思），它的实现如下：</a:t>
+            </a:r>
+            <a:endParaRPr sz="1400" b="1" dirty="0">
+              <a:solidFill>
+                <a:srgbClr val="7F7F7F"/>
+              </a:solidFill>
+              <a:latin typeface="微软雅黑" panose="020B0503020204020204" pitchFamily="2" charset="-122"/>
+              <a:ea typeface="微软雅黑" panose="020B0503020204020204" pitchFamily="2" charset="-122"/>
+              <a:sym typeface="微软雅黑" panose="020B0503020204020204" pitchFamily="2" charset="-122"/>
+            </a:endParaRPr>
+          </a:p>
+          <a:p>
+            <a:pPr algn="l">
+              <a:lnSpc>
+                <a:spcPct val="150000"/>
+              </a:lnSpc>
+            </a:pPr>
+            <a:endParaRPr sz="1400" b="1" dirty="0">
+              <a:solidFill>
+                <a:srgbClr val="7F7F7F"/>
+              </a:solidFill>
+              <a:latin typeface="微软雅黑" panose="020B0503020204020204" pitchFamily="2" charset="-122"/>
+              <a:ea typeface="微软雅黑" panose="020B0503020204020204" pitchFamily="2" charset="-122"/>
+              <a:sym typeface="微软雅黑" panose="020B0503020204020204" pitchFamily="2" charset="-122"/>
+            </a:endParaRPr>
+          </a:p>
+          <a:p>
+            <a:pPr algn="l">
+              <a:lnSpc>
+                <a:spcPct val="150000"/>
+              </a:lnSpc>
+            </a:pPr>
+            <a:endParaRPr sz="1400" b="1" dirty="0">
+              <a:solidFill>
+                <a:srgbClr val="7F7F7F"/>
+              </a:solidFill>
+              <a:latin typeface="微软雅黑" panose="020B0503020204020204" pitchFamily="2" charset="-122"/>
+              <a:ea typeface="微软雅黑" panose="020B0503020204020204" pitchFamily="2" charset="-122"/>
+              <a:sym typeface="微软雅黑" panose="020B0503020204020204" pitchFamily="2" charset="-122"/>
+            </a:endParaRPr>
+          </a:p>
+          <a:p>
+            <a:pPr algn="l">
+              <a:lnSpc>
+                <a:spcPct val="150000"/>
+              </a:lnSpc>
+            </a:pPr>
+            <a:endParaRPr sz="1400" b="1" dirty="0">
+              <a:solidFill>
+                <a:srgbClr val="7F7F7F"/>
+              </a:solidFill>
+              <a:latin typeface="微软雅黑" panose="020B0503020204020204" pitchFamily="2" charset="-122"/>
+              <a:ea typeface="微软雅黑" panose="020B0503020204020204" pitchFamily="2" charset="-122"/>
+              <a:sym typeface="微软雅黑" panose="020B0503020204020204" pitchFamily="2" charset="-122"/>
+            </a:endParaRPr>
+          </a:p>
+          <a:p>
+            <a:pPr algn="l">
+              <a:lnSpc>
+                <a:spcPct val="150000"/>
+              </a:lnSpc>
+            </a:pPr>
+            <a:r>
+              <a:rPr sz="1400" b="1" dirty="0">
+                <a:solidFill>
+                  <a:srgbClr val="7F7F7F"/>
+                </a:solidFill>
+                <a:latin typeface="微软雅黑" panose="020B0503020204020204" pitchFamily="2" charset="-122"/>
+                <a:ea typeface="微软雅黑" panose="020B0503020204020204" pitchFamily="2" charset="-122"/>
+                <a:sym typeface="微软雅黑" panose="020B0503020204020204" pitchFamily="2" charset="-122"/>
+              </a:rPr>
+              <a:t>整个发送流程十分清晰，简而言之，首先是要根据dsr数据包的数据创建一个sk_buf数据包，因为发送的数据包的格式必须为sk_buf格式。在完成创建后接着完成MAC头的封装（第21-26行），最后一步调用dev_queue_xmit(skb)将数据包发送出去（第31行）并统计发送的数据包信息（第35到36行）。</a:t>
+            </a:r>
+            <a:endParaRPr sz="1400" b="1" dirty="0">
+              <a:solidFill>
+                <a:srgbClr val="7F7F7F"/>
+              </a:solidFill>
+              <a:latin typeface="微软雅黑" panose="020B0503020204020204" pitchFamily="2" charset="-122"/>
+              <a:ea typeface="微软雅黑" panose="020B0503020204020204" pitchFamily="2" charset="-122"/>
+              <a:sym typeface="微软雅黑" panose="020B0503020204020204" pitchFamily="2" charset="-122"/>
+            </a:endParaRPr>
+          </a:p>
+          <a:p>
+            <a:pPr algn="l">
+              <a:lnSpc>
+                <a:spcPct val="150000"/>
+              </a:lnSpc>
+            </a:pPr>
+            <a:r>
+              <a:rPr sz="1400" b="1" dirty="0">
+                <a:solidFill>
+                  <a:srgbClr val="7F7F7F"/>
+                </a:solidFill>
+                <a:latin typeface="微软雅黑" panose="020B0503020204020204" pitchFamily="2" charset="-122"/>
+                <a:ea typeface="微软雅黑" panose="020B0503020204020204" pitchFamily="2" charset="-122"/>
+                <a:sym typeface="微软雅黑" panose="020B0503020204020204" pitchFamily="2" charset="-122"/>
+              </a:rPr>
+              <a:t>所有流程顺利结束的话，将返回0。如果有错误产生，将会跳转至标签out_err处，我们不再需要这个数据包，因此将它释放（第35行）并返回-1</a:t>
+            </a:r>
+            <a:endParaRPr sz="1400" b="1" dirty="0">
+              <a:solidFill>
+                <a:srgbClr val="7F7F7F"/>
+              </a:solidFill>
+              <a:latin typeface="微软雅黑" panose="020B0503020204020204" pitchFamily="2" charset="-122"/>
+              <a:ea typeface="微软雅黑" panose="020B0503020204020204" pitchFamily="2" charset="-122"/>
+              <a:sym typeface="微软雅黑" panose="020B0503020204020204" pitchFamily="2" charset="-122"/>
+            </a:endParaRPr>
+          </a:p>
+        </p:txBody>
+      </p:sp>
+      <p:pic>
+        <p:nvPicPr>
+          <p:cNvPr id="19" name="图片 19"/>
+          <p:cNvPicPr>
+            <a:picLocks noChangeAspect="1"/>
+          </p:cNvPicPr>
+          <p:nvPr/>
+        </p:nvPicPr>
+        <p:blipFill>
+          <a:blip r:embed="rId1"/>
+          <a:stretch>
+            <a:fillRect/>
+          </a:stretch>
+        </p:blipFill>
+        <p:spPr>
+          <a:xfrm>
+            <a:off x="716280" y="703580"/>
+            <a:ext cx="5274310" cy="5604510"/>
+          </a:xfrm>
+          <a:prstGeom prst="rect">
+            <a:avLst/>
+          </a:prstGeom>
+        </p:spPr>
+      </p:pic>
+    </p:spTree>
+  </p:cSld>
+  <p:clrMapOvr>
+    <a:masterClrMapping/>
+  </p:clrMapOvr>
+  <p:transition spd="med">
+    <p:fade/>
+  </p:transition>
+</p:sld>
+</file>
+
+<file path=ppt/slides/slide27.xml><?xml version="1.0" encoding="utf-8"?>
+<p:sld xmlns:a="http://schemas.openxmlformats.org/drawingml/2006/main" xmlns:r="http://schemas.openxmlformats.org/officeDocument/2006/relationships" xmlns:p="http://schemas.openxmlformats.org/presentationml/2006/main">
+  <p:cSld>
+    <p:spTree>
+      <p:nvGrpSpPr>
+        <p:cNvPr id="1" name=""/>
+        <p:cNvGrpSpPr/>
+        <p:nvPr/>
+      </p:nvGrpSpPr>
+      <p:grpSpPr/>
+      <p:sp>
+        <p:nvSpPr>
           <p:cNvPr id="24578" name="矩形 1"/>
           <p:cNvSpPr/>
           <p:nvPr/>
@@ -11091,7 +12494,7 @@
         <p:spPr>
           <a:xfrm>
             <a:off x="655955" y="1623695"/>
-            <a:ext cx="6927215" cy="2861310"/>
+            <a:ext cx="6927215" cy="2245360"/>
           </a:xfrm>
           <a:prstGeom prst="rect">
             <a:avLst/>
@@ -11164,31 +12567,6 @@
           </a:p>
           <a:p>
             <a:pPr algn="l"/>
-            <a:r>
-              <a:rPr lang="zh-CN" altLang="en-US" sz="2000">
-                <a:solidFill>
-                  <a:schemeClr val="bg1">
-                    <a:lumMod val="50000"/>
-                  </a:schemeClr>
-                </a:solidFill>
-                <a:latin typeface="Comic Sans MS" panose="030F0702030302020204" charset="0"/>
-                <a:cs typeface="Comic Sans MS" panose="030F0702030302020204" charset="0"/>
-              </a:rPr>
-              <a:t>dsr-srt.c中关于添加源路由选项的实现，</a:t>
-            </a:r>
-            <a:r>
-              <a:rPr lang="zh-CN" altLang="en-US" sz="2000">
-                <a:solidFill>
-                  <a:schemeClr val="bg1">
-                    <a:lumMod val="50000"/>
-                  </a:schemeClr>
-                </a:solidFill>
-                <a:latin typeface="Comic Sans MS" panose="030F0702030302020204" charset="0"/>
-                <a:cs typeface="Comic Sans MS" panose="030F0702030302020204" charset="0"/>
-                <a:sym typeface="+mn-ea"/>
-              </a:rPr>
-              <a:t>源路由选型的处理</a:t>
-            </a:r>
             <a:endParaRPr lang="zh-CN" altLang="en-US" sz="2000">
               <a:solidFill>
                 <a:schemeClr val="bg1">
@@ -11211,56 +12589,7 @@
                 <a:latin typeface="Comic Sans MS" panose="030F0702030302020204" charset="0"/>
                 <a:cs typeface="Comic Sans MS" panose="030F0702030302020204" charset="0"/>
               </a:rPr>
-              <a:t>dsr-rreq.c中</a:t>
-            </a:r>
-            <a:r>
-              <a:rPr lang="zh-CN" altLang="en-US" sz="2000">
-                <a:solidFill>
-                  <a:schemeClr val="bg1">
-                    <a:lumMod val="50000"/>
-                  </a:schemeClr>
-                </a:solidFill>
-                <a:latin typeface="Comic Sans MS" panose="030F0702030302020204" charset="0"/>
-                <a:cs typeface="Comic Sans MS" panose="030F0702030302020204" charset="0"/>
-                <a:sym typeface="+mn-ea"/>
-              </a:rPr>
-              <a:t>路由请求表的定义以及</a:t>
-            </a:r>
-            <a:r>
-              <a:rPr lang="zh-CN" altLang="en-US" sz="2000">
-                <a:solidFill>
-                  <a:schemeClr val="bg1">
-                    <a:lumMod val="50000"/>
-                  </a:schemeClr>
-                </a:solidFill>
-                <a:latin typeface="Comic Sans MS" panose="030F0702030302020204" charset="0"/>
-                <a:cs typeface="Comic Sans MS" panose="030F0702030302020204" charset="0"/>
-              </a:rPr>
-              <a:t>关于创建，发送，添加路由请求选项的实现</a:t>
-            </a:r>
-            <a:endParaRPr lang="zh-CN" altLang="en-US" sz="2000">
-              <a:solidFill>
-                <a:schemeClr val="bg1">
-                  <a:lumMod val="50000"/>
-                </a:schemeClr>
-              </a:solidFill>
-              <a:latin typeface="Comic Sans MS" panose="030F0702030302020204" charset="0"/>
-              <a:cs typeface="Comic Sans MS" panose="030F0702030302020204" charset="0"/>
-            </a:endParaRPr>
-          </a:p>
-          <a:p>
-            <a:pPr algn="l"/>
-            <a:r>
-              <a:rPr lang="zh-CN" altLang="en-US" sz="2000">
-                <a:solidFill>
-                  <a:schemeClr val="bg1">
-                    <a:lumMod val="50000"/>
-                  </a:schemeClr>
-                </a:solidFill>
-                <a:latin typeface="Comic Sans MS" panose="030F0702030302020204" charset="0"/>
-                <a:cs typeface="Comic Sans MS" panose="030F0702030302020204" charset="0"/>
-              </a:rPr>
-              <a:t>dsr-dev.c中关于数据包发送的实现</a:t>
+              <a:t>dsr-rreq.c处理路由发现请求</a:t>
             </a:r>
             <a:endParaRPr lang="zh-CN" altLang="en-US" sz="2000">
               <a:solidFill>
@@ -12444,7 +13773,7 @@
         </p:nvSpPr>
         <p:spPr>
           <a:xfrm>
-            <a:off x="1096645" y="2228215"/>
+            <a:off x="1122045" y="1988820"/>
             <a:ext cx="182245" cy="3721735"/>
           </a:xfrm>
           <a:prstGeom prst="rect">
@@ -12480,7 +13809,7 @@
         </p:nvSpPr>
         <p:spPr>
           <a:xfrm>
-            <a:off x="1424940" y="2118360"/>
+            <a:off x="1416050" y="1827530"/>
             <a:ext cx="9867900" cy="3830955"/>
           </a:xfrm>
           <a:prstGeom prst="rect">
@@ -12676,7 +14005,7 @@
         </p:nvSpPr>
         <p:spPr>
           <a:xfrm>
-            <a:off x="986790" y="734695"/>
+            <a:off x="1003935" y="443865"/>
             <a:ext cx="3634105" cy="1383665"/>
           </a:xfrm>
           <a:prstGeom prst="rect">
@@ -13672,7 +15001,7 @@
         <p:spPr>
           <a:xfrm>
             <a:off x="292100" y="1478915"/>
-            <a:ext cx="76200" cy="4417060"/>
+            <a:ext cx="76200" cy="4817745"/>
           </a:xfrm>
           <a:prstGeom prst="rect">
             <a:avLst/>
@@ -14115,7 +15444,7 @@
                 <a:ea typeface="微软雅黑" panose="020B0503020204020204" pitchFamily="2" charset="-122"/>
                 <a:sym typeface="微软雅黑" panose="020B0503020204020204" pitchFamily="2" charset="-122"/>
               </a:rPr>
-              <a:t>dsr_ack_rep_opt_recv() 函数关系调用图</a:t>
+              <a:t>dsr_rreq_opt_recv() 函数关系调用图</a:t>
             </a:r>
             <a:endParaRPr lang="zh-CN" altLang="en-US"/>
           </a:p>
@@ -14467,7 +15796,7 @@
         </p:blipFill>
         <p:spPr>
           <a:xfrm>
-            <a:off x="5941060" y="3616960"/>
+            <a:off x="5829300" y="3625215"/>
             <a:ext cx="5306060" cy="2320925"/>
           </a:xfrm>
           <a:prstGeom prst="rect">
